--- a/CT1017-Simplify UI App hosting with Application FrontEnd Service.pptx
+++ b/CT1017-Simplify UI App hosting with Application FrontEnd Service.pptx
@@ -207,7 +207,7 @@
           <a:p>
             <a:fld id="{BB3740D7-F87B-8F4D-A158-D1F192CFB81C}" type="datetimeFigureOut">
               <a:rPr lang="en-US" smtClean="0"/>
-              <a:t>11/23/25</a:t>
+              <a:t>11/26/25</a:t>
             </a:fld>
             <a:endParaRPr lang="en-US"/>
           </a:p>
@@ -920,7 +920,7 @@
           <a:p>
             <a:fld id="{E1A75249-B798-E34A-9004-2CA786F4D7EC}" type="datetimeFigureOut">
               <a:rPr lang="en-US" smtClean="0"/>
-              <a:t>11/23/25</a:t>
+              <a:t>11/26/25</a:t>
             </a:fld>
             <a:endParaRPr lang="en-US"/>
           </a:p>
@@ -1120,7 +1120,7 @@
           <a:p>
             <a:fld id="{E1A75249-B798-E34A-9004-2CA786F4D7EC}" type="datetimeFigureOut">
               <a:rPr lang="en-US" smtClean="0"/>
-              <a:t>11/23/25</a:t>
+              <a:t>11/26/25</a:t>
             </a:fld>
             <a:endParaRPr lang="en-US"/>
           </a:p>
@@ -1330,7 +1330,7 @@
           <a:p>
             <a:fld id="{E1A75249-B798-E34A-9004-2CA786F4D7EC}" type="datetimeFigureOut">
               <a:rPr lang="en-US" smtClean="0"/>
-              <a:t>11/23/25</a:t>
+              <a:t>11/26/25</a:t>
             </a:fld>
             <a:endParaRPr lang="en-US"/>
           </a:p>
@@ -3055,7 +3055,7 @@
           <a:p>
             <a:fld id="{E1A75249-B798-E34A-9004-2CA786F4D7EC}" type="datetimeFigureOut">
               <a:rPr lang="en-US" smtClean="0"/>
-              <a:t>11/23/25</a:t>
+              <a:t>11/26/25</a:t>
             </a:fld>
             <a:endParaRPr lang="en-US"/>
           </a:p>
@@ -3331,7 +3331,7 @@
           <a:p>
             <a:fld id="{E1A75249-B798-E34A-9004-2CA786F4D7EC}" type="datetimeFigureOut">
               <a:rPr lang="en-US" smtClean="0"/>
-              <a:t>11/23/25</a:t>
+              <a:t>11/26/25</a:t>
             </a:fld>
             <a:endParaRPr lang="en-US"/>
           </a:p>
@@ -3599,7 +3599,7 @@
           <a:p>
             <a:fld id="{E1A75249-B798-E34A-9004-2CA786F4D7EC}" type="datetimeFigureOut">
               <a:rPr lang="en-US" smtClean="0"/>
-              <a:t>11/23/25</a:t>
+              <a:t>11/26/25</a:t>
             </a:fld>
             <a:endParaRPr lang="en-US"/>
           </a:p>
@@ -4014,7 +4014,7 @@
           <a:p>
             <a:fld id="{E1A75249-B798-E34A-9004-2CA786F4D7EC}" type="datetimeFigureOut">
               <a:rPr lang="en-US" smtClean="0"/>
-              <a:t>11/23/25</a:t>
+              <a:t>11/26/25</a:t>
             </a:fld>
             <a:endParaRPr lang="en-US"/>
           </a:p>
@@ -4156,7 +4156,7 @@
           <a:p>
             <a:fld id="{E1A75249-B798-E34A-9004-2CA786F4D7EC}" type="datetimeFigureOut">
               <a:rPr lang="en-US" smtClean="0"/>
-              <a:t>11/23/25</a:t>
+              <a:t>11/26/25</a:t>
             </a:fld>
             <a:endParaRPr lang="en-US"/>
           </a:p>
@@ -4269,7 +4269,7 @@
           <a:p>
             <a:fld id="{E1A75249-B798-E34A-9004-2CA786F4D7EC}" type="datetimeFigureOut">
               <a:rPr lang="en-US" smtClean="0"/>
-              <a:t>11/23/25</a:t>
+              <a:t>11/26/25</a:t>
             </a:fld>
             <a:endParaRPr lang="en-US"/>
           </a:p>
@@ -4582,7 +4582,7 @@
           <a:p>
             <a:fld id="{E1A75249-B798-E34A-9004-2CA786F4D7EC}" type="datetimeFigureOut">
               <a:rPr lang="en-US" smtClean="0"/>
-              <a:t>11/23/25</a:t>
+              <a:t>11/26/25</a:t>
             </a:fld>
             <a:endParaRPr lang="en-US"/>
           </a:p>
@@ -4871,7 +4871,7 @@
           <a:p>
             <a:fld id="{E1A75249-B798-E34A-9004-2CA786F4D7EC}" type="datetimeFigureOut">
               <a:rPr lang="en-US" smtClean="0"/>
-              <a:t>11/23/25</a:t>
+              <a:t>11/26/25</a:t>
             </a:fld>
             <a:endParaRPr lang="en-US"/>
           </a:p>
@@ -5114,7 +5114,7 @@
           <a:p>
             <a:fld id="{E1A75249-B798-E34A-9004-2CA786F4D7EC}" type="datetimeFigureOut">
               <a:rPr lang="en-US" smtClean="0"/>
-              <a:t>11/23/25</a:t>
+              <a:t>11/26/25</a:t>
             </a:fld>
             <a:endParaRPr lang="en-US"/>
           </a:p>
@@ -5691,217 +5691,6 @@
           </a:p>
         </p:txBody>
       </p:sp>
-      <p:sp>
-        <p:nvSpPr>
-          <p:cNvPr id="5" name="Partner Logo Placeholder">
-            <a:extLst>
-              <a:ext uri="{FF2B5EF4-FFF2-40B4-BE49-F238E27FC236}">
-                <a16:creationId xmlns:a16="http://schemas.microsoft.com/office/drawing/2014/main" id="{34A10F11-2F69-2500-5CE2-31CAFCF4D3A7}"/>
-              </a:ext>
-            </a:extLst>
-          </p:cNvPr>
-          <p:cNvSpPr txBox="1">
-            <a:spLocks/>
-          </p:cNvSpPr>
-          <p:nvPr/>
-        </p:nvSpPr>
-        <p:spPr>
-          <a:xfrm>
-            <a:off x="2534979" y="6187960"/>
-            <a:ext cx="1027793" cy="369728"/>
-          </a:xfrm>
-          <a:prstGeom prst="rect">
-            <a:avLst/>
-          </a:prstGeom>
-          <a:ln>
-            <a:solidFill>
-              <a:schemeClr val="tx1"/>
-            </a:solidFill>
-            <a:prstDash val="sysDot"/>
-          </a:ln>
-        </p:spPr>
-        <p:txBody>
-          <a:bodyPr anchor="ctr" anchorCtr="0">
-            <a:noAutofit/>
-          </a:bodyPr>
-          <a:lstStyle>
-            <a:lvl1pPr marL="0" indent="0" algn="ctr" defTabSz="1088558" rtl="0" eaLnBrk="1" latinLnBrk="0" hangingPunct="1">
-              <a:spcBef>
-                <a:spcPts val="0"/>
-              </a:spcBef>
-              <a:buClr>
-                <a:schemeClr val="accent1"/>
-              </a:buClr>
-              <a:buSzPct val="80000"/>
-              <a:buFontTx/>
-              <a:buNone/>
-              <a:defRPr sz="900" b="0" i="0" kern="1200">
-                <a:solidFill>
-                  <a:schemeClr val="tx1"/>
-                </a:solidFill>
-                <a:latin typeface="72" panose="020B0503030000000003" pitchFamily="34" charset="0"/>
-                <a:ea typeface="+mn-ea"/>
-                <a:cs typeface="+mn-cs"/>
-              </a:defRPr>
-            </a:lvl1pPr>
-            <a:lvl2pPr marL="179964" indent="-179964" algn="l" defTabSz="1088558" rtl="0" eaLnBrk="1" latinLnBrk="0" hangingPunct="1">
-              <a:spcBef>
-                <a:spcPts val="600"/>
-              </a:spcBef>
-              <a:buClr>
-                <a:schemeClr val="accent1"/>
-              </a:buClr>
-              <a:buSzPct val="100000"/>
-              <a:buFont typeface="Wingdings" pitchFamily="2" charset="2"/>
-              <a:buChar char="§"/>
-              <a:defRPr sz="1800" b="0" i="0" kern="1200">
-                <a:solidFill>
-                  <a:schemeClr val="tx1"/>
-                </a:solidFill>
-                <a:latin typeface="72" panose="020B0503030000000003" pitchFamily="34" charset="0"/>
-                <a:ea typeface="+mn-ea"/>
-                <a:cs typeface="+mn-cs"/>
-              </a:defRPr>
-            </a:lvl2pPr>
-            <a:lvl3pPr marL="358775" indent="-179388" algn="l" defTabSz="1088558" rtl="0" eaLnBrk="1" latinLnBrk="0" hangingPunct="1">
-              <a:spcBef>
-                <a:spcPts val="300"/>
-              </a:spcBef>
-              <a:buClr>
-                <a:schemeClr val="tx1"/>
-              </a:buClr>
-              <a:buSzPct val="100000"/>
-              <a:buFont typeface="Arial" panose="020B0604020202020204" pitchFamily="34" charset="0"/>
-              <a:buChar char="–"/>
-              <a:defRPr lang="en-US" sz="1800" b="0" i="0" kern="1200" noProof="0" dirty="0" smtClean="0">
-                <a:solidFill>
-                  <a:schemeClr val="tx1"/>
-                </a:solidFill>
-                <a:latin typeface="72" panose="020B0503030000000003" pitchFamily="34" charset="0"/>
-                <a:ea typeface="+mn-ea"/>
-                <a:cs typeface="+mn-cs"/>
-              </a:defRPr>
-            </a:lvl3pPr>
-            <a:lvl4pPr marL="539892" indent="-179964" algn="l" defTabSz="1088558" rtl="0" eaLnBrk="1" latinLnBrk="0" hangingPunct="1">
-              <a:spcBef>
-                <a:spcPts val="300"/>
-              </a:spcBef>
-              <a:buClr>
-                <a:schemeClr val="tx1"/>
-              </a:buClr>
-              <a:buSzPct val="120000"/>
-              <a:buFont typeface="Arial" pitchFamily="34" charset="0"/>
-              <a:buChar char="▫"/>
-              <a:defRPr sz="1600" b="0" i="0" kern="1200">
-                <a:solidFill>
-                  <a:schemeClr val="tx1"/>
-                </a:solidFill>
-                <a:latin typeface="72" panose="020B0503030000000003" pitchFamily="34" charset="0"/>
-                <a:ea typeface="+mn-ea"/>
-                <a:cs typeface="+mn-cs"/>
-              </a:defRPr>
-            </a:lvl4pPr>
-            <a:lvl5pPr marL="719856" indent="-179964" algn="l" defTabSz="1088558" rtl="0" eaLnBrk="1" latinLnBrk="0" hangingPunct="1">
-              <a:spcBef>
-                <a:spcPts val="100"/>
-              </a:spcBef>
-              <a:buClr>
-                <a:schemeClr val="tx1"/>
-              </a:buClr>
-              <a:buSzPct val="100000"/>
-              <a:buFont typeface="Symbol" panose="05050102010706020507" pitchFamily="18" charset="2"/>
-              <a:buChar char="-"/>
-              <a:defRPr sz="1400" b="0" i="0" kern="1200" baseline="0">
-                <a:solidFill>
-                  <a:schemeClr val="tx1"/>
-                </a:solidFill>
-                <a:latin typeface="72" panose="020B0503030000000003" pitchFamily="34" charset="0"/>
-                <a:ea typeface="+mn-ea"/>
-                <a:cs typeface="+mn-cs"/>
-              </a:defRPr>
-            </a:lvl5pPr>
-            <a:lvl6pPr marL="2993535" indent="-272140" algn="l" defTabSz="1088558" rtl="0" eaLnBrk="1" latinLnBrk="0" hangingPunct="1">
-              <a:spcBef>
-                <a:spcPct val="20000"/>
-              </a:spcBef>
-              <a:buFont typeface="Arial" pitchFamily="34" charset="0"/>
-              <a:buChar char="•"/>
-              <a:defRPr sz="2400" kern="1200">
-                <a:solidFill>
-                  <a:schemeClr val="tx1"/>
-                </a:solidFill>
-                <a:latin typeface="+mn-lt"/>
-                <a:ea typeface="+mn-ea"/>
-                <a:cs typeface="+mn-cs"/>
-              </a:defRPr>
-            </a:lvl6pPr>
-            <a:lvl7pPr marL="3537814" indent="-272140" algn="l" defTabSz="1088558" rtl="0" eaLnBrk="1" latinLnBrk="0" hangingPunct="1">
-              <a:spcBef>
-                <a:spcPct val="20000"/>
-              </a:spcBef>
-              <a:buFont typeface="Arial" pitchFamily="34" charset="0"/>
-              <a:buChar char="•"/>
-              <a:defRPr sz="2400" kern="1200">
-                <a:solidFill>
-                  <a:schemeClr val="tx1"/>
-                </a:solidFill>
-                <a:latin typeface="+mn-lt"/>
-                <a:ea typeface="+mn-ea"/>
-                <a:cs typeface="+mn-cs"/>
-              </a:defRPr>
-            </a:lvl7pPr>
-            <a:lvl8pPr marL="4082093" indent="-272140" algn="l" defTabSz="1088558" rtl="0" eaLnBrk="1" latinLnBrk="0" hangingPunct="1">
-              <a:spcBef>
-                <a:spcPct val="20000"/>
-              </a:spcBef>
-              <a:buFont typeface="Arial" pitchFamily="34" charset="0"/>
-              <a:buChar char="•"/>
-              <a:defRPr sz="2400" kern="1200">
-                <a:solidFill>
-                  <a:schemeClr val="tx1"/>
-                </a:solidFill>
-                <a:latin typeface="+mn-lt"/>
-                <a:ea typeface="+mn-ea"/>
-                <a:cs typeface="+mn-cs"/>
-              </a:defRPr>
-            </a:lvl8pPr>
-            <a:lvl9pPr marL="4626373" indent="-272140" algn="l" defTabSz="1088558" rtl="0" eaLnBrk="1" latinLnBrk="0" hangingPunct="1">
-              <a:spcBef>
-                <a:spcPct val="20000"/>
-              </a:spcBef>
-              <a:buFont typeface="Arial" pitchFamily="34" charset="0"/>
-              <a:buChar char="•"/>
-              <a:defRPr sz="2400" kern="1200">
-                <a:solidFill>
-                  <a:schemeClr val="tx1"/>
-                </a:solidFill>
-                <a:latin typeface="+mn-lt"/>
-                <a:ea typeface="+mn-ea"/>
-                <a:cs typeface="+mn-cs"/>
-              </a:defRPr>
-            </a:lvl9pPr>
-          </a:lstStyle>
-          <a:p>
-            <a:r>
-              <a:rPr lang="en-US" dirty="0">
-                <a:latin typeface="+mn-lt"/>
-              </a:rPr>
-              <a:t>Add partner </a:t>
-            </a:r>
-            <a:br>
-              <a:rPr lang="en-US" dirty="0">
-                <a:latin typeface="+mn-lt"/>
-              </a:rPr>
-            </a:br>
-            <a:r>
-              <a:rPr lang="en-US" dirty="0">
-                <a:latin typeface="+mn-lt"/>
-              </a:rPr>
-              <a:t>logo and alt text</a:t>
-            </a:r>
-          </a:p>
-        </p:txBody>
-      </p:sp>
     </p:spTree>
     <p:extLst>
       <p:ext uri="{BB962C8B-B14F-4D97-AF65-F5344CB8AC3E}">
@@ -6244,18 +6033,24 @@
         <p:spPr>
           <a:xfrm>
             <a:off x="498346" y="2355273"/>
-            <a:ext cx="3728292" cy="484909"/>
+            <a:ext cx="4362412" cy="484909"/>
           </a:xfrm>
         </p:spPr>
         <p:txBody>
           <a:bodyPr>
-            <a:normAutofit/>
+            <a:noAutofit/>
           </a:bodyPr>
           <a:lstStyle/>
           <a:p>
             <a:pPr marL="0" indent="0">
               <a:buNone/>
             </a:pPr>
+            <a:r>
+              <a:rPr lang="de-DE" sz="2400" dirty="0">
+                <a:latin typeface="72 Brand" panose="020B0504030603020204" pitchFamily="34" charset="0"/>
+              </a:rPr>
+              <a:t>Shrinivasan</a:t>
+            </a:r>
             <a:r>
               <a:rPr lang="de-DE" sz="2400" dirty="0">
                 <a:solidFill>
@@ -6263,41 +6058,17 @@
                 </a:solidFill>
                 <a:latin typeface="72 Brand" panose="020B0504030603020204" pitchFamily="34" charset="0"/>
               </a:rPr>
-              <a:t>Shrinivasan Neelamegam</a:t>
-            </a:r>
-          </a:p>
-        </p:txBody>
-      </p:sp>
-      <p:pic>
-        <p:nvPicPr>
-          <p:cNvPr id="5" name="Picture 4">
-            <a:extLst>
-              <a:ext uri="{FF2B5EF4-FFF2-40B4-BE49-F238E27FC236}">
-                <a16:creationId xmlns:a16="http://schemas.microsoft.com/office/drawing/2014/main" id="{E5D77264-5EF2-1641-CA3E-7687B60D3C36}"/>
-              </a:ext>
-            </a:extLst>
-          </p:cNvPr>
-          <p:cNvPicPr>
-            <a:picLocks noChangeAspect="1"/>
-          </p:cNvPicPr>
-          <p:nvPr/>
-        </p:nvPicPr>
-        <p:blipFill>
-          <a:blip r:embed="rId2"/>
-          <a:stretch>
-            <a:fillRect/>
-          </a:stretch>
-        </p:blipFill>
-        <p:spPr>
-          <a:xfrm>
-            <a:off x="8210388" y="1281566"/>
-            <a:ext cx="3728293" cy="3728293"/>
-          </a:xfrm>
-          <a:prstGeom prst="rect">
-            <a:avLst/>
-          </a:prstGeom>
-        </p:spPr>
-      </p:pic>
+              <a:t> </a:t>
+            </a:r>
+            <a:r>
+              <a:rPr lang="de-DE" sz="2400" dirty="0">
+                <a:latin typeface="72 Brand" panose="020B0504030603020204" pitchFamily="34" charset="0"/>
+              </a:rPr>
+              <a:t>Neelamegam</a:t>
+            </a:r>
+          </a:p>
+        </p:txBody>
+      </p:sp>
     </p:spTree>
     <p:extLst>
       <p:ext uri="{BB962C8B-B14F-4D97-AF65-F5344CB8AC3E}">
@@ -6594,7 +6365,7 @@
             </a:r>
             <a:r>
               <a:rPr lang="en-IN" dirty="0"/>
-              <a:t> to the tools, development model, and UI frameworks that are used to develop UI applications</a:t>
+              <a:t> to the tools(API, CLI, VS Code, BAS) and UI frameworks(React, Vue etc) that are used to develop UI applications</a:t>
             </a:r>
           </a:p>
           <a:p>
@@ -8295,21 +8066,21 @@
 </file>
 
 <file path=customXml/item1.xml><?xml version="1.0" encoding="utf-8"?>
+<TemplafySlideTemplateConfiguration><![CDATA[{"slideVersion":17,"isValidatorEnabled":false,"isLocked":false,"elementsMetadata":[],"slideId":"638331234102931200","enableDocumentContentUpdater":false,"version":"2.0"}]]></TemplafySlideTemplateConfiguration>
+</file>
+
+<file path=customXml/item2.xml><?xml version="1.0" encoding="utf-8"?>
 <TemplafySlideFormConfiguration><![CDATA[{"formFields":[],"formDataEntries":[]}]]></TemplafySlideFormConfiguration>
 </file>
 
-<file path=customXml/item2.xml><?xml version="1.0" encoding="utf-8"?>
-<TemplafySlideTemplateConfiguration><![CDATA[{"slideVersion":17,"isValidatorEnabled":false,"isLocked":false,"elementsMetadata":[],"slideId":"638331234102931200","enableDocumentContentUpdater":false,"version":"2.0"}]]></TemplafySlideTemplateConfiguration>
-</file>
-
 <file path=customXml/itemProps1.xml><?xml version="1.0" encoding="utf-8"?>
-<ds:datastoreItem xmlns:ds="http://schemas.openxmlformats.org/officeDocument/2006/customXml" ds:itemID="{37B21E57-60DC-E548-93C8-09859757A515}">
+<ds:datastoreItem xmlns:ds="http://schemas.openxmlformats.org/officeDocument/2006/customXml" ds:itemID="{1B6811DB-EB29-F34E-AF33-9D95A7C74A5A}">
   <ds:schemaRefs/>
 </ds:datastoreItem>
 </file>
 
 <file path=customXml/itemProps2.xml><?xml version="1.0" encoding="utf-8"?>
-<ds:datastoreItem xmlns:ds="http://schemas.openxmlformats.org/officeDocument/2006/customXml" ds:itemID="{1B6811DB-EB29-F34E-AF33-9D95A7C74A5A}">
+<ds:datastoreItem xmlns:ds="http://schemas.openxmlformats.org/officeDocument/2006/customXml" ds:itemID="{37B21E57-60DC-E548-93C8-09859757A515}">
   <ds:schemaRefs/>
 </ds:datastoreItem>
 </file>
